--- a/presentation/presentation_final.pptx
+++ b/presentation/presentation_final.pptx
@@ -9,13 +9,13 @@
   </p:notesMasterIdLst>
   <p:sldIdLst>
     <p:sldId id="256" r:id="rId2"/>
-    <p:sldId id="286" r:id="rId3"/>
-    <p:sldId id="291" r:id="rId4"/>
-    <p:sldId id="287" r:id="rId5"/>
-    <p:sldId id="288" r:id="rId6"/>
-    <p:sldId id="294" r:id="rId7"/>
-    <p:sldId id="293" r:id="rId8"/>
-    <p:sldId id="292" r:id="rId9"/>
+    <p:sldId id="292" r:id="rId3"/>
+    <p:sldId id="286" r:id="rId4"/>
+    <p:sldId id="291" r:id="rId5"/>
+    <p:sldId id="287" r:id="rId6"/>
+    <p:sldId id="288" r:id="rId7"/>
+    <p:sldId id="294" r:id="rId8"/>
+    <p:sldId id="293" r:id="rId9"/>
     <p:sldId id="261" r:id="rId10"/>
     <p:sldId id="285" r:id="rId11"/>
   </p:sldIdLst>
@@ -206,7 +206,7 @@
           <a:p>
             <a:fld id="{668C48E3-7567-B94B-9019-BF6912A31FE8}" type="datetimeFigureOut">
               <a:rPr lang="en-US" smtClean="0"/>
-              <a:t>12/5/20</a:t>
+              <a:t>12/6/20</a:t>
             </a:fld>
             <a:endParaRPr lang="en-US"/>
           </a:p>
@@ -961,7 +961,7 @@
           <a:p>
             <a:fld id="{72345051-2045-45DA-935E-2E3CA1A69ADC}" type="datetimeFigureOut">
               <a:rPr lang="en-US" smtClean="0"/>
-              <a:t>12/5/20</a:t>
+              <a:t>12/6/20</a:t>
             </a:fld>
             <a:endParaRPr lang="en-US" dirty="0"/>
           </a:p>
@@ -1159,7 +1159,7 @@
           <a:p>
             <a:fld id="{72345051-2045-45DA-935E-2E3CA1A69ADC}" type="datetimeFigureOut">
               <a:rPr lang="en-US" smtClean="0"/>
-              <a:t>12/5/20</a:t>
+              <a:t>12/6/20</a:t>
             </a:fld>
             <a:endParaRPr lang="en-US"/>
           </a:p>
@@ -1367,7 +1367,7 @@
           <a:p>
             <a:fld id="{72345051-2045-45DA-935E-2E3CA1A69ADC}" type="datetimeFigureOut">
               <a:rPr lang="en-US" smtClean="0"/>
-              <a:t>12/5/20</a:t>
+              <a:t>12/6/20</a:t>
             </a:fld>
             <a:endParaRPr lang="en-US"/>
           </a:p>
@@ -1589,7 +1589,7 @@
           <a:p>
             <a:fld id="{72345051-2045-45DA-935E-2E3CA1A69ADC}" type="datetimeFigureOut">
               <a:rPr lang="en-US" smtClean="0"/>
-              <a:t>12/5/20</a:t>
+              <a:t>12/6/20</a:t>
             </a:fld>
             <a:endParaRPr lang="en-US"/>
           </a:p>
@@ -2500,7 +2500,7 @@
           <a:p>
             <a:fld id="{72345051-2045-45DA-935E-2E3CA1A69ADC}" type="datetimeFigureOut">
               <a:rPr lang="en-US" smtClean="0"/>
-              <a:t>12/5/20</a:t>
+              <a:t>12/6/20</a:t>
             </a:fld>
             <a:endParaRPr lang="en-US"/>
           </a:p>
@@ -3103,7 +3103,7 @@
           <a:p>
             <a:fld id="{72345051-2045-45DA-935E-2E3CA1A69ADC}" type="datetimeFigureOut">
               <a:rPr lang="en-US" smtClean="0"/>
-              <a:t>12/5/20</a:t>
+              <a:t>12/6/20</a:t>
             </a:fld>
             <a:endParaRPr lang="en-US"/>
           </a:p>
@@ -4151,7 +4151,7 @@
           <a:p>
             <a:fld id="{72345051-2045-45DA-935E-2E3CA1A69ADC}" type="datetimeFigureOut">
               <a:rPr lang="en-US" smtClean="0"/>
-              <a:t>12/5/20</a:t>
+              <a:t>12/6/20</a:t>
             </a:fld>
             <a:endParaRPr lang="en-US"/>
           </a:p>
@@ -4935,7 +4935,7 @@
           <a:p>
             <a:fld id="{72345051-2045-45DA-935E-2E3CA1A69ADC}" type="datetimeFigureOut">
               <a:rPr lang="en-US" smtClean="0"/>
-              <a:t>12/5/20</a:t>
+              <a:t>12/6/20</a:t>
             </a:fld>
             <a:endParaRPr lang="en-US"/>
           </a:p>
@@ -5384,7 +5384,7 @@
           <a:p>
             <a:fld id="{72345051-2045-45DA-935E-2E3CA1A69ADC}" type="datetimeFigureOut">
               <a:rPr lang="en-US" smtClean="0"/>
-              <a:t>12/5/20</a:t>
+              <a:t>12/6/20</a:t>
             </a:fld>
             <a:endParaRPr lang="en-US"/>
           </a:p>
@@ -5701,7 +5701,7 @@
           <a:p>
             <a:fld id="{72345051-2045-45DA-935E-2E3CA1A69ADC}" type="datetimeFigureOut">
               <a:rPr lang="en-US" smtClean="0"/>
-              <a:t>12/5/20</a:t>
+              <a:t>12/6/20</a:t>
             </a:fld>
             <a:endParaRPr lang="en-US"/>
           </a:p>
@@ -6329,7 +6329,7 @@
           <a:p>
             <a:fld id="{72345051-2045-45DA-935E-2E3CA1A69ADC}" type="datetimeFigureOut">
               <a:rPr lang="en-US" smtClean="0"/>
-              <a:t>12/5/20</a:t>
+              <a:t>12/6/20</a:t>
             </a:fld>
             <a:endParaRPr lang="en-US"/>
           </a:p>
@@ -6902,7 +6902,7 @@
           <a:p>
             <a:fld id="{72345051-2045-45DA-935E-2E3CA1A69ADC}" type="datetimeFigureOut">
               <a:rPr lang="en-US" smtClean="0"/>
-              <a:t>12/5/20</a:t>
+              <a:t>12/6/20</a:t>
             </a:fld>
             <a:endParaRPr lang="en-US" dirty="0"/>
           </a:p>
@@ -8358,6 +8358,180 @@
           <p:cNvPr id="2" name="Title 1">
             <a:extLst>
               <a:ext uri="{FF2B5EF4-FFF2-40B4-BE49-F238E27FC236}">
+                <a16:creationId xmlns:a16="http://schemas.microsoft.com/office/drawing/2014/main" id="{BBED074E-3852-5746-A04F-0482AE64609F}"/>
+              </a:ext>
+            </a:extLst>
+          </p:cNvPr>
+          <p:cNvSpPr>
+            <a:spLocks noGrp="1"/>
+          </p:cNvSpPr>
+          <p:nvPr>
+            <p:ph type="title"/>
+          </p:nvPr>
+        </p:nvSpPr>
+        <p:spPr/>
+        <p:txBody>
+          <a:bodyPr>
+            <a:normAutofit fontScale="90000"/>
+          </a:bodyPr>
+          <a:lstStyle/>
+          <a:p>
+            <a:r>
+              <a:rPr lang="en-US" dirty="0">
+                <a:latin typeface="Sanskrit Text" panose="02020503050405020304" pitchFamily="18" charset="0"/>
+                <a:cs typeface="Sanskrit Text" panose="02020503050405020304" pitchFamily="18" charset="0"/>
+              </a:rPr>
+              <a:t>Banks are the end-user (move to beginning)</a:t>
+            </a:r>
+          </a:p>
+        </p:txBody>
+      </p:sp>
+      <p:sp>
+        <p:nvSpPr>
+          <p:cNvPr id="3" name="Content Placeholder 2">
+            <a:extLst>
+              <a:ext uri="{FF2B5EF4-FFF2-40B4-BE49-F238E27FC236}">
+                <a16:creationId xmlns:a16="http://schemas.microsoft.com/office/drawing/2014/main" id="{F665778D-7C59-B842-8E43-F5011DAA3C99}"/>
+              </a:ext>
+            </a:extLst>
+          </p:cNvPr>
+          <p:cNvSpPr>
+            <a:spLocks noGrp="1"/>
+          </p:cNvSpPr>
+          <p:nvPr>
+            <p:ph idx="1"/>
+          </p:nvPr>
+        </p:nvSpPr>
+        <p:spPr>
+          <a:xfrm>
+            <a:off x="838200" y="1929384"/>
+            <a:ext cx="10515600" cy="4650092"/>
+          </a:xfrm>
+        </p:spPr>
+        <p:txBody>
+          <a:bodyPr>
+            <a:normAutofit/>
+          </a:bodyPr>
+          <a:lstStyle/>
+          <a:p>
+            <a:r>
+              <a:rPr lang="en-US" dirty="0">
+                <a:latin typeface="Sanskrit Text" panose="02020503050405020304" pitchFamily="18" charset="0"/>
+                <a:cs typeface="Sanskrit Text" panose="02020503050405020304" pitchFamily="18" charset="0"/>
+              </a:rPr>
+              <a:t>A list of potential risky loans and loan loss amount</a:t>
+            </a:r>
+          </a:p>
+          <a:p>
+            <a:r>
+              <a:rPr lang="en-US" dirty="0">
+                <a:latin typeface="Sanskrit Text" panose="02020503050405020304" pitchFamily="18" charset="0"/>
+                <a:cs typeface="Sanskrit Text" panose="02020503050405020304" pitchFamily="18" charset="0"/>
+              </a:rPr>
+              <a:t>Extremely useful for banks:</a:t>
+            </a:r>
+          </a:p>
+          <a:p>
+            <a:pPr lvl="1"/>
+            <a:r>
+              <a:rPr lang="en-US" dirty="0">
+                <a:latin typeface="Sanskrit Text" panose="02020503050405020304" pitchFamily="18" charset="0"/>
+                <a:cs typeface="Sanskrit Text" panose="02020503050405020304" pitchFamily="18" charset="0"/>
+              </a:rPr>
+              <a:t>Loans are the largest portion of any bank’s business</a:t>
+            </a:r>
+          </a:p>
+          <a:p>
+            <a:pPr lvl="1"/>
+            <a:r>
+              <a:rPr lang="en-US" dirty="0">
+                <a:latin typeface="Sanskrit Text" panose="02020503050405020304" pitchFamily="18" charset="0"/>
+                <a:cs typeface="Sanskrit Text" panose="02020503050405020304" pitchFamily="18" charset="0"/>
+              </a:rPr>
+              <a:t>Preventive measures</a:t>
+            </a:r>
+          </a:p>
+          <a:p>
+            <a:pPr lvl="1"/>
+            <a:r>
+              <a:rPr lang="en-US" dirty="0">
+                <a:latin typeface="Sanskrit Text" panose="02020503050405020304" pitchFamily="18" charset="0"/>
+                <a:cs typeface="Sanskrit Text" panose="02020503050405020304" pitchFamily="18" charset="0"/>
+              </a:rPr>
+              <a:t>Capital reserves requirements</a:t>
+            </a:r>
+          </a:p>
+          <a:p>
+            <a:pPr lvl="1"/>
+            <a:r>
+              <a:rPr lang="en-US" dirty="0">
+                <a:latin typeface="Sanskrit Text" panose="02020503050405020304" pitchFamily="18" charset="0"/>
+                <a:cs typeface="Sanskrit Text" panose="02020503050405020304" pitchFamily="18" charset="0"/>
+              </a:rPr>
+              <a:t>Increase profits</a:t>
+            </a:r>
+          </a:p>
+          <a:p>
+            <a:pPr lvl="1"/>
+            <a:r>
+              <a:rPr lang="en-US" dirty="0">
+                <a:latin typeface="Sanskrit Text" panose="02020503050405020304" pitchFamily="18" charset="0"/>
+                <a:cs typeface="Sanskrit Text" panose="02020503050405020304" pitchFamily="18" charset="0"/>
+              </a:rPr>
+              <a:t>Decrease risks</a:t>
+            </a:r>
+          </a:p>
+          <a:p>
+            <a:pPr lvl="1"/>
+            <a:endParaRPr lang="en-US" dirty="0">
+              <a:latin typeface="Sanskrit Text" panose="02020503050405020304" pitchFamily="18" charset="0"/>
+              <a:cs typeface="Sanskrit Text" panose="02020503050405020304" pitchFamily="18" charset="0"/>
+            </a:endParaRPr>
+          </a:p>
+          <a:p>
+            <a:pPr lvl="1"/>
+            <a:endParaRPr lang="en-US" dirty="0">
+              <a:latin typeface="Sanskrit Text" panose="02020503050405020304" pitchFamily="18" charset="0"/>
+              <a:cs typeface="Sanskrit Text" panose="02020503050405020304" pitchFamily="18" charset="0"/>
+            </a:endParaRPr>
+          </a:p>
+        </p:txBody>
+      </p:sp>
+    </p:spTree>
+    <p:extLst>
+      <p:ext uri="{BB962C8B-B14F-4D97-AF65-F5344CB8AC3E}">
+        <p14:creationId xmlns:p14="http://schemas.microsoft.com/office/powerpoint/2010/main" val="2802666808"/>
+      </p:ext>
+    </p:extLst>
+  </p:cSld>
+  <p:clrMapOvr>
+    <a:masterClrMapping/>
+  </p:clrMapOvr>
+</p:sld>
+</file>
+
+<file path=ppt/slides/slide3.xml><?xml version="1.0" encoding="utf-8"?>
+<p:sld xmlns:a="http://schemas.openxmlformats.org/drawingml/2006/main" xmlns:r="http://schemas.openxmlformats.org/officeDocument/2006/relationships" xmlns:p="http://schemas.openxmlformats.org/presentationml/2006/main">
+  <p:cSld>
+    <p:spTree>
+      <p:nvGrpSpPr>
+        <p:cNvPr id="1" name=""/>
+        <p:cNvGrpSpPr/>
+        <p:nvPr/>
+      </p:nvGrpSpPr>
+      <p:grpSpPr>
+        <a:xfrm>
+          <a:off x="0" y="0"/>
+          <a:ext cx="0" cy="0"/>
+          <a:chOff x="0" y="0"/>
+          <a:chExt cx="0" cy="0"/>
+        </a:xfrm>
+      </p:grpSpPr>
+      <p:sp>
+        <p:nvSpPr>
+          <p:cNvPr id="2" name="Title 1">
+            <a:extLst>
+              <a:ext uri="{FF2B5EF4-FFF2-40B4-BE49-F238E27FC236}">
                 <a16:creationId xmlns:a16="http://schemas.microsoft.com/office/drawing/2014/main" id="{258AAA2D-E359-7247-95D1-FC4E32A64131}"/>
               </a:ext>
             </a:extLst>
@@ -8499,7 +8673,7 @@
 </p:sld>
 </file>
 
-<file path=ppt/slides/slide3.xml><?xml version="1.0" encoding="utf-8"?>
+<file path=ppt/slides/slide4.xml><?xml version="1.0" encoding="utf-8"?>
 <p:sld xmlns:a="http://schemas.openxmlformats.org/drawingml/2006/main" xmlns:r="http://schemas.openxmlformats.org/officeDocument/2006/relationships" xmlns:p="http://schemas.openxmlformats.org/presentationml/2006/main">
   <p:cSld>
     <p:spTree>
@@ -8683,7 +8857,7 @@
 </p:sld>
 </file>
 
-<file path=ppt/slides/slide4.xml><?xml version="1.0" encoding="utf-8"?>
+<file path=ppt/slides/slide5.xml><?xml version="1.0" encoding="utf-8"?>
 <p:sld xmlns:a="http://schemas.openxmlformats.org/drawingml/2006/main" xmlns:r="http://schemas.openxmlformats.org/officeDocument/2006/relationships" xmlns:p="http://schemas.openxmlformats.org/presentationml/2006/main">
   <p:cSld>
     <p:spTree>
@@ -8899,7 +9073,7 @@
 </p:sld>
 </file>
 
-<file path=ppt/slides/slide5.xml><?xml version="1.0" encoding="utf-8"?>
+<file path=ppt/slides/slide6.xml><?xml version="1.0" encoding="utf-8"?>
 <p:sld xmlns:a="http://schemas.openxmlformats.org/drawingml/2006/main" xmlns:r="http://schemas.openxmlformats.org/officeDocument/2006/relationships" xmlns:p="http://schemas.openxmlformats.org/presentationml/2006/main">
   <p:cSld>
     <p:spTree>
@@ -10430,144 +10604,6 @@
 </p:sld>
 </file>
 
-<file path=ppt/slides/slide6.xml><?xml version="1.0" encoding="utf-8"?>
-<p:sld xmlns:a="http://schemas.openxmlformats.org/drawingml/2006/main" xmlns:r="http://schemas.openxmlformats.org/officeDocument/2006/relationships" xmlns:p="http://schemas.openxmlformats.org/presentationml/2006/main">
-  <p:cSld>
-    <p:spTree>
-      <p:nvGrpSpPr>
-        <p:cNvPr id="1" name=""/>
-        <p:cNvGrpSpPr/>
-        <p:nvPr/>
-      </p:nvGrpSpPr>
-      <p:grpSpPr>
-        <a:xfrm>
-          <a:off x="0" y="0"/>
-          <a:ext cx="0" cy="0"/>
-          <a:chOff x="0" y="0"/>
-          <a:chExt cx="0" cy="0"/>
-        </a:xfrm>
-      </p:grpSpPr>
-      <p:sp>
-        <p:nvSpPr>
-          <p:cNvPr id="2" name="Title 1">
-            <a:extLst>
-              <a:ext uri="{FF2B5EF4-FFF2-40B4-BE49-F238E27FC236}">
-                <a16:creationId xmlns:a16="http://schemas.microsoft.com/office/drawing/2014/main" id="{0AA79B75-4C5E-C644-91E9-F6139C54B116}"/>
-              </a:ext>
-            </a:extLst>
-          </p:cNvPr>
-          <p:cNvSpPr>
-            <a:spLocks noGrp="1"/>
-          </p:cNvSpPr>
-          <p:nvPr>
-            <p:ph type="title"/>
-          </p:nvPr>
-        </p:nvSpPr>
-        <p:spPr/>
-        <p:txBody>
-          <a:bodyPr/>
-          <a:lstStyle/>
-          <a:p>
-            <a:r>
-              <a:rPr lang="en-US" dirty="0">
-                <a:latin typeface="Sanskrit Text" panose="02020503050405020304" pitchFamily="18" charset="0"/>
-                <a:cs typeface="Sanskrit Text" panose="02020503050405020304" pitchFamily="18" charset="0"/>
-              </a:rPr>
-              <a:t>Results</a:t>
-            </a:r>
-          </a:p>
-        </p:txBody>
-      </p:sp>
-      <p:sp>
-        <p:nvSpPr>
-          <p:cNvPr id="5" name="Content Placeholder 4">
-            <a:extLst>
-              <a:ext uri="{FF2B5EF4-FFF2-40B4-BE49-F238E27FC236}">
-                <a16:creationId xmlns:a16="http://schemas.microsoft.com/office/drawing/2014/main" id="{3EB84E46-8D55-834E-A754-6A1A5F757D8D}"/>
-              </a:ext>
-            </a:extLst>
-          </p:cNvPr>
-          <p:cNvSpPr>
-            <a:spLocks noGrp="1"/>
-          </p:cNvSpPr>
-          <p:nvPr>
-            <p:ph idx="1"/>
-          </p:nvPr>
-        </p:nvSpPr>
-        <p:spPr/>
-        <p:txBody>
-          <a:bodyPr/>
-          <a:lstStyle/>
-          <a:p>
-            <a:r>
-              <a:rPr lang="en-US" dirty="0">
-                <a:latin typeface="Sanskrit Text" panose="02020503050405020304" pitchFamily="18" charset="0"/>
-                <a:cs typeface="Sanskrit Text" panose="02020503050405020304" pitchFamily="18" charset="0"/>
-              </a:rPr>
-              <a:t>Predicted # of risky loans: 13,067</a:t>
-            </a:r>
-          </a:p>
-          <a:p>
-            <a:pPr lvl="1"/>
-            <a:r>
-              <a:rPr lang="en-US" dirty="0">
-                <a:latin typeface="Sanskrit Text" panose="02020503050405020304" pitchFamily="18" charset="0"/>
-                <a:cs typeface="Sanskrit Text" panose="02020503050405020304" pitchFamily="18" charset="0"/>
-              </a:rPr>
-              <a:t>ADD % of portfolio</a:t>
-            </a:r>
-          </a:p>
-          <a:p>
-            <a:r>
-              <a:rPr lang="en-US" dirty="0">
-                <a:latin typeface="Sanskrit Text" panose="02020503050405020304" pitchFamily="18" charset="0"/>
-                <a:cs typeface="Sanskrit Text" panose="02020503050405020304" pitchFamily="18" charset="0"/>
-              </a:rPr>
-              <a:t>Predicted average portfolio loan loss: 1%</a:t>
-            </a:r>
-          </a:p>
-          <a:p>
-            <a:pPr lvl="1"/>
-            <a:r>
-              <a:rPr lang="en-US" dirty="0">
-                <a:latin typeface="Sanskrit Text" panose="02020503050405020304" pitchFamily="18" charset="0"/>
-                <a:cs typeface="Sanskrit Text" panose="02020503050405020304" pitchFamily="18" charset="0"/>
-              </a:rPr>
-              <a:t>Compare to actual portfolio loan loss</a:t>
-            </a:r>
-          </a:p>
-          <a:p>
-            <a:pPr lvl="1"/>
-            <a:r>
-              <a:rPr lang="en-US" dirty="0">
-                <a:latin typeface="Sanskrit Text" panose="02020503050405020304" pitchFamily="18" charset="0"/>
-                <a:cs typeface="Sanskrit Text" panose="02020503050405020304" pitchFamily="18" charset="0"/>
-              </a:rPr>
-              <a:t>Seems low…</a:t>
-            </a:r>
-          </a:p>
-          <a:p>
-            <a:pPr lvl="1"/>
-            <a:endParaRPr lang="en-US" dirty="0">
-              <a:latin typeface="Sanskrit Text" panose="02020503050405020304" pitchFamily="18" charset="0"/>
-              <a:cs typeface="Sanskrit Text" panose="02020503050405020304" pitchFamily="18" charset="0"/>
-            </a:endParaRPr>
-          </a:p>
-        </p:txBody>
-      </p:sp>
-    </p:spTree>
-    <p:extLst>
-      <p:ext uri="{BB962C8B-B14F-4D97-AF65-F5344CB8AC3E}">
-        <p14:creationId xmlns:p14="http://schemas.microsoft.com/office/powerpoint/2010/main" val="2761092756"/>
-      </p:ext>
-    </p:extLst>
-  </p:cSld>
-  <p:clrMapOvr>
-    <a:masterClrMapping/>
-  </p:clrMapOvr>
-</p:sld>
-</file>
-
 <file path=ppt/slides/slide7.xml><?xml version="1.0" encoding="utf-8"?>
 <p:sld xmlns:a="http://schemas.openxmlformats.org/drawingml/2006/main" xmlns:r="http://schemas.openxmlformats.org/officeDocument/2006/relationships" xmlns:p="http://schemas.openxmlformats.org/presentationml/2006/main">
   <p:cSld>
@@ -10603,9 +10639,7 @@
         </p:nvSpPr>
         <p:spPr/>
         <p:txBody>
-          <a:bodyPr>
-            <a:normAutofit fontScale="90000"/>
-          </a:bodyPr>
+          <a:bodyPr/>
           <a:lstStyle/>
           <a:p>
             <a:r>
@@ -10613,170 +10647,92 @@
                 <a:latin typeface="Sanskrit Text" panose="02020503050405020304" pitchFamily="18" charset="0"/>
                 <a:cs typeface="Sanskrit Text" panose="02020503050405020304" pitchFamily="18" charset="0"/>
               </a:rPr>
-              <a:t>Results (residual plots) REMOVE SLIDE</a:t>
+              <a:t>Results</a:t>
             </a:r>
           </a:p>
         </p:txBody>
       </p:sp>
-      <p:pic>
-        <p:nvPicPr>
-          <p:cNvPr id="7" name="Content Placeholder 6">
+      <p:sp>
+        <p:nvSpPr>
+          <p:cNvPr id="5" name="Content Placeholder 4">
             <a:extLst>
               <a:ext uri="{FF2B5EF4-FFF2-40B4-BE49-F238E27FC236}">
-                <a16:creationId xmlns:a16="http://schemas.microsoft.com/office/drawing/2014/main" id="{8ADE6DB2-F4F3-8D42-8F21-17C8952D5037}"/>
-              </a:ext>
-              <a:ext uri="{C183D7F6-B498-43B3-948B-1728B52AA6E4}">
-                <adec:decorative xmlns:adec="http://schemas.microsoft.com/office/drawing/2017/decorative" val="1"/>
+                <a16:creationId xmlns:a16="http://schemas.microsoft.com/office/drawing/2014/main" id="{3EB84E46-8D55-834E-A754-6A1A5F757D8D}"/>
               </a:ext>
             </a:extLst>
           </p:cNvPr>
-          <p:cNvPicPr>
-            <a:picLocks noGrp="1" noChangeAspect="1"/>
-          </p:cNvPicPr>
+          <p:cNvSpPr>
+            <a:spLocks noGrp="1"/>
+          </p:cNvSpPr>
           <p:nvPr>
             <p:ph idx="1"/>
           </p:nvPr>
-        </p:nvPicPr>
-        <p:blipFill>
-          <a:blip r:embed="rId2"/>
-          <a:stretch>
-            <a:fillRect/>
-          </a:stretch>
-        </p:blipFill>
-        <p:spPr>
-          <a:xfrm>
-            <a:off x="454346" y="2876350"/>
-            <a:ext cx="5318013" cy="3396587"/>
-          </a:xfrm>
-        </p:spPr>
-      </p:pic>
-      <p:sp>
-        <p:nvSpPr>
-          <p:cNvPr id="8" name="TextBox 7">
-            <a:extLst>
-              <a:ext uri="{FF2B5EF4-FFF2-40B4-BE49-F238E27FC236}">
-                <a16:creationId xmlns:a16="http://schemas.microsoft.com/office/drawing/2014/main" id="{F6DC4472-963A-8F46-80AD-8A78A52E4B8A}"/>
-              </a:ext>
-            </a:extLst>
-          </p:cNvPr>
-          <p:cNvSpPr txBox="1"/>
-          <p:nvPr/>
         </p:nvSpPr>
-        <p:spPr>
-          <a:xfrm>
-            <a:off x="1962469" y="2464969"/>
-            <a:ext cx="2301765" cy="369332"/>
-          </a:xfrm>
-          <a:prstGeom prst="rect">
-            <a:avLst/>
-          </a:prstGeom>
-          <a:noFill/>
-        </p:spPr>
+        <p:spPr/>
         <p:txBody>
-          <a:bodyPr wrap="square" rtlCol="0">
-            <a:spAutoFit/>
-          </a:bodyPr>
+          <a:bodyPr/>
           <a:lstStyle/>
           <a:p>
-            <a:pPr algn="ctr"/>
             <a:r>
               <a:rPr lang="en-US" dirty="0">
                 <a:latin typeface="Sanskrit Text" panose="02020503050405020304" pitchFamily="18" charset="0"/>
                 <a:cs typeface="Sanskrit Text" panose="02020503050405020304" pitchFamily="18" charset="0"/>
               </a:rPr>
-              <a:t>Base Model</a:t>
-            </a:r>
-          </a:p>
-        </p:txBody>
-      </p:sp>
-      <p:sp>
-        <p:nvSpPr>
-          <p:cNvPr id="9" name="TextBox 8">
-            <a:extLst>
-              <a:ext uri="{FF2B5EF4-FFF2-40B4-BE49-F238E27FC236}">
-                <a16:creationId xmlns:a16="http://schemas.microsoft.com/office/drawing/2014/main" id="{331A949B-E468-6A41-8C7A-0C5FED7959EA}"/>
-              </a:ext>
-            </a:extLst>
-          </p:cNvPr>
-          <p:cNvSpPr txBox="1"/>
-          <p:nvPr/>
-        </p:nvSpPr>
-        <p:spPr>
-          <a:xfrm>
-            <a:off x="7669727" y="2464969"/>
-            <a:ext cx="2914189" cy="369332"/>
-          </a:xfrm>
-          <a:prstGeom prst="rect">
-            <a:avLst/>
-          </a:prstGeom>
-          <a:noFill/>
-        </p:spPr>
-        <p:txBody>
-          <a:bodyPr wrap="square" rtlCol="0">
-            <a:spAutoFit/>
-          </a:bodyPr>
-          <a:lstStyle/>
-          <a:p>
-            <a:pPr algn="ctr"/>
+              <a:t>Predicted # of risky loans: 13,067</a:t>
+            </a:r>
+          </a:p>
+          <a:p>
+            <a:pPr lvl="1"/>
             <a:r>
               <a:rPr lang="en-US" dirty="0">
                 <a:latin typeface="Sanskrit Text" panose="02020503050405020304" pitchFamily="18" charset="0"/>
                 <a:cs typeface="Sanskrit Text" panose="02020503050405020304" pitchFamily="18" charset="0"/>
               </a:rPr>
-              <a:t>Optimal Model (so far </a:t>
-            </a:r>
-            <a:r>
-              <a:rPr lang="en-US" dirty="0">
-                <a:latin typeface="Sanskrit Text" panose="02020503050405020304" pitchFamily="18" charset="0"/>
-                <a:cs typeface="Sanskrit Text" panose="02020503050405020304" pitchFamily="18" charset="0"/>
-                <a:sym typeface="Wingdings" pitchFamily="2" charset="2"/>
-              </a:rPr>
-              <a:t></a:t>
-            </a:r>
+              <a:t>ADD % of portfolio</a:t>
+            </a:r>
+          </a:p>
+          <a:p>
             <a:r>
               <a:rPr lang="en-US" dirty="0">
                 <a:latin typeface="Sanskrit Text" panose="02020503050405020304" pitchFamily="18" charset="0"/>
                 <a:cs typeface="Sanskrit Text" panose="02020503050405020304" pitchFamily="18" charset="0"/>
               </a:rPr>
-              <a:t>)</a:t>
-            </a:r>
+              <a:t>Predicted average portfolio loan loss: 1%</a:t>
+            </a:r>
+          </a:p>
+          <a:p>
+            <a:pPr lvl="1"/>
+            <a:r>
+              <a:rPr lang="en-US" dirty="0">
+                <a:latin typeface="Sanskrit Text" panose="02020503050405020304" pitchFamily="18" charset="0"/>
+                <a:cs typeface="Sanskrit Text" panose="02020503050405020304" pitchFamily="18" charset="0"/>
+              </a:rPr>
+              <a:t>Compare to actual portfolio loan loss</a:t>
+            </a:r>
+          </a:p>
+          <a:p>
+            <a:pPr lvl="1"/>
+            <a:r>
+              <a:rPr lang="en-US" dirty="0">
+                <a:latin typeface="Sanskrit Text" panose="02020503050405020304" pitchFamily="18" charset="0"/>
+                <a:cs typeface="Sanskrit Text" panose="02020503050405020304" pitchFamily="18" charset="0"/>
+              </a:rPr>
+              <a:t>Seems low…</a:t>
+            </a:r>
+          </a:p>
+          <a:p>
+            <a:pPr lvl="1"/>
+            <a:endParaRPr lang="en-US" dirty="0">
+              <a:latin typeface="Sanskrit Text" panose="02020503050405020304" pitchFamily="18" charset="0"/>
+              <a:cs typeface="Sanskrit Text" panose="02020503050405020304" pitchFamily="18" charset="0"/>
+            </a:endParaRPr>
           </a:p>
         </p:txBody>
       </p:sp>
-      <p:pic>
-        <p:nvPicPr>
-          <p:cNvPr id="4" name="Picture 3" descr="Chart&#10;&#10;Description automatically generated">
-            <a:extLst>
-              <a:ext uri="{FF2B5EF4-FFF2-40B4-BE49-F238E27FC236}">
-                <a16:creationId xmlns:a16="http://schemas.microsoft.com/office/drawing/2014/main" id="{0D14A61A-2EBD-B748-ABE0-A8C78C4FB676}"/>
-              </a:ext>
-            </a:extLst>
-          </p:cNvPr>
-          <p:cNvPicPr>
-            <a:picLocks noChangeAspect="1"/>
-          </p:cNvPicPr>
-          <p:nvPr/>
-        </p:nvPicPr>
-        <p:blipFill>
-          <a:blip r:embed="rId3"/>
-          <a:stretch>
-            <a:fillRect/>
-          </a:stretch>
-        </p:blipFill>
-        <p:spPr>
-          <a:xfrm>
-            <a:off x="6332284" y="2876350"/>
-            <a:ext cx="5188434" cy="3524451"/>
-          </a:xfrm>
-          <a:prstGeom prst="rect">
-            <a:avLst/>
-          </a:prstGeom>
-        </p:spPr>
-      </p:pic>
     </p:spTree>
     <p:extLst>
       <p:ext uri="{BB962C8B-B14F-4D97-AF65-F5344CB8AC3E}">
-        <p14:creationId xmlns:p14="http://schemas.microsoft.com/office/powerpoint/2010/main" val="1322365031"/>
+        <p14:creationId xmlns:p14="http://schemas.microsoft.com/office/powerpoint/2010/main" val="2761092756"/>
       </p:ext>
     </p:extLst>
   </p:cSld>
@@ -10808,7 +10764,7 @@
           <p:cNvPr id="2" name="Title 1">
             <a:extLst>
               <a:ext uri="{FF2B5EF4-FFF2-40B4-BE49-F238E27FC236}">
-                <a16:creationId xmlns:a16="http://schemas.microsoft.com/office/drawing/2014/main" id="{BBED074E-3852-5746-A04F-0482AE64609F}"/>
+                <a16:creationId xmlns:a16="http://schemas.microsoft.com/office/drawing/2014/main" id="{0AA79B75-4C5E-C644-91E9-F6139C54B116}"/>
               </a:ext>
             </a:extLst>
           </p:cNvPr>
@@ -10831,126 +10787,170 @@
                 <a:latin typeface="Sanskrit Text" panose="02020503050405020304" pitchFamily="18" charset="0"/>
                 <a:cs typeface="Sanskrit Text" panose="02020503050405020304" pitchFamily="18" charset="0"/>
               </a:rPr>
-              <a:t>Banks are the end-user (move to beginning)</a:t>
+              <a:t>Results (residual plots) REMOVE SLIDE</a:t>
+            </a:r>
+          </a:p>
+        </p:txBody>
+      </p:sp>
+      <p:pic>
+        <p:nvPicPr>
+          <p:cNvPr id="7" name="Content Placeholder 6">
+            <a:extLst>
+              <a:ext uri="{FF2B5EF4-FFF2-40B4-BE49-F238E27FC236}">
+                <a16:creationId xmlns:a16="http://schemas.microsoft.com/office/drawing/2014/main" id="{8ADE6DB2-F4F3-8D42-8F21-17C8952D5037}"/>
+              </a:ext>
+              <a:ext uri="{C183D7F6-B498-43B3-948B-1728B52AA6E4}">
+                <adec:decorative xmlns:adec="http://schemas.microsoft.com/office/drawing/2017/decorative" val="1"/>
+              </a:ext>
+            </a:extLst>
+          </p:cNvPr>
+          <p:cNvPicPr>
+            <a:picLocks noGrp="1" noChangeAspect="1"/>
+          </p:cNvPicPr>
+          <p:nvPr>
+            <p:ph idx="1"/>
+          </p:nvPr>
+        </p:nvPicPr>
+        <p:blipFill>
+          <a:blip r:embed="rId2"/>
+          <a:stretch>
+            <a:fillRect/>
+          </a:stretch>
+        </p:blipFill>
+        <p:spPr>
+          <a:xfrm>
+            <a:off x="454346" y="2876350"/>
+            <a:ext cx="5318013" cy="3396587"/>
+          </a:xfrm>
+        </p:spPr>
+      </p:pic>
+      <p:sp>
+        <p:nvSpPr>
+          <p:cNvPr id="8" name="TextBox 7">
+            <a:extLst>
+              <a:ext uri="{FF2B5EF4-FFF2-40B4-BE49-F238E27FC236}">
+                <a16:creationId xmlns:a16="http://schemas.microsoft.com/office/drawing/2014/main" id="{F6DC4472-963A-8F46-80AD-8A78A52E4B8A}"/>
+              </a:ext>
+            </a:extLst>
+          </p:cNvPr>
+          <p:cNvSpPr txBox="1"/>
+          <p:nvPr/>
+        </p:nvSpPr>
+        <p:spPr>
+          <a:xfrm>
+            <a:off x="1962469" y="2464969"/>
+            <a:ext cx="2301765" cy="369332"/>
+          </a:xfrm>
+          <a:prstGeom prst="rect">
+            <a:avLst/>
+          </a:prstGeom>
+          <a:noFill/>
+        </p:spPr>
+        <p:txBody>
+          <a:bodyPr wrap="square" rtlCol="0">
+            <a:spAutoFit/>
+          </a:bodyPr>
+          <a:lstStyle/>
+          <a:p>
+            <a:pPr algn="ctr"/>
+            <a:r>
+              <a:rPr lang="en-US" dirty="0">
+                <a:latin typeface="Sanskrit Text" panose="02020503050405020304" pitchFamily="18" charset="0"/>
+                <a:cs typeface="Sanskrit Text" panose="02020503050405020304" pitchFamily="18" charset="0"/>
+              </a:rPr>
+              <a:t>Base Model</a:t>
             </a:r>
           </a:p>
         </p:txBody>
       </p:sp>
       <p:sp>
         <p:nvSpPr>
-          <p:cNvPr id="3" name="Content Placeholder 2">
+          <p:cNvPr id="9" name="TextBox 8">
             <a:extLst>
               <a:ext uri="{FF2B5EF4-FFF2-40B4-BE49-F238E27FC236}">
-                <a16:creationId xmlns:a16="http://schemas.microsoft.com/office/drawing/2014/main" id="{F665778D-7C59-B842-8E43-F5011DAA3C99}"/>
+                <a16:creationId xmlns:a16="http://schemas.microsoft.com/office/drawing/2014/main" id="{331A949B-E468-6A41-8C7A-0C5FED7959EA}"/>
               </a:ext>
             </a:extLst>
           </p:cNvPr>
-          <p:cNvSpPr>
-            <a:spLocks noGrp="1"/>
-          </p:cNvSpPr>
-          <p:nvPr>
-            <p:ph idx="1"/>
-          </p:nvPr>
+          <p:cNvSpPr txBox="1"/>
+          <p:nvPr/>
         </p:nvSpPr>
         <p:spPr>
           <a:xfrm>
-            <a:off x="838200" y="1929384"/>
-            <a:ext cx="10515600" cy="4650092"/>
+            <a:off x="7669727" y="2464969"/>
+            <a:ext cx="2914189" cy="369332"/>
           </a:xfrm>
+          <a:prstGeom prst="rect">
+            <a:avLst/>
+          </a:prstGeom>
+          <a:noFill/>
         </p:spPr>
         <p:txBody>
-          <a:bodyPr>
-            <a:normAutofit/>
+          <a:bodyPr wrap="square" rtlCol="0">
+            <a:spAutoFit/>
           </a:bodyPr>
           <a:lstStyle/>
           <a:p>
+            <a:pPr algn="ctr"/>
             <a:r>
               <a:rPr lang="en-US" dirty="0">
                 <a:latin typeface="Sanskrit Text" panose="02020503050405020304" pitchFamily="18" charset="0"/>
                 <a:cs typeface="Sanskrit Text" panose="02020503050405020304" pitchFamily="18" charset="0"/>
               </a:rPr>
-              <a:t>A list of potential risky loans and loan loss amount</a:t>
-            </a:r>
-          </a:p>
-          <a:p>
+              <a:t>Optimal Model (so far </a:t>
+            </a:r>
+            <a:r>
+              <a:rPr lang="en-US" dirty="0">
+                <a:latin typeface="Sanskrit Text" panose="02020503050405020304" pitchFamily="18" charset="0"/>
+                <a:cs typeface="Sanskrit Text" panose="02020503050405020304" pitchFamily="18" charset="0"/>
+                <a:sym typeface="Wingdings" pitchFamily="2" charset="2"/>
+              </a:rPr>
+              <a:t></a:t>
+            </a:r>
             <a:r>
               <a:rPr lang="en-US" dirty="0">
                 <a:latin typeface="Sanskrit Text" panose="02020503050405020304" pitchFamily="18" charset="0"/>
                 <a:cs typeface="Sanskrit Text" panose="02020503050405020304" pitchFamily="18" charset="0"/>
               </a:rPr>
-              <a:t>Extremely useful for banks:</a:t>
-            </a:r>
-          </a:p>
-          <a:p>
-            <a:pPr lvl="1"/>
-            <a:r>
-              <a:rPr lang="en-US" dirty="0">
-                <a:latin typeface="Sanskrit Text" panose="02020503050405020304" pitchFamily="18" charset="0"/>
-                <a:cs typeface="Sanskrit Text" panose="02020503050405020304" pitchFamily="18" charset="0"/>
-              </a:rPr>
-              <a:t>Loans are the largest portion of any bank’s business</a:t>
-            </a:r>
-          </a:p>
-          <a:p>
-            <a:pPr lvl="1"/>
-            <a:r>
-              <a:rPr lang="en-US" dirty="0">
-                <a:latin typeface="Sanskrit Text" panose="02020503050405020304" pitchFamily="18" charset="0"/>
-                <a:cs typeface="Sanskrit Text" panose="02020503050405020304" pitchFamily="18" charset="0"/>
-              </a:rPr>
-              <a:t>Preventive measures</a:t>
-            </a:r>
-          </a:p>
-          <a:p>
-            <a:pPr lvl="1"/>
-            <a:r>
-              <a:rPr lang="en-US" dirty="0">
-                <a:latin typeface="Sanskrit Text" panose="02020503050405020304" pitchFamily="18" charset="0"/>
-                <a:cs typeface="Sanskrit Text" panose="02020503050405020304" pitchFamily="18" charset="0"/>
-              </a:rPr>
-              <a:t>Capital reserves requirements</a:t>
-            </a:r>
-          </a:p>
-          <a:p>
-            <a:pPr lvl="1"/>
-            <a:r>
-              <a:rPr lang="en-US" dirty="0">
-                <a:latin typeface="Sanskrit Text" panose="02020503050405020304" pitchFamily="18" charset="0"/>
-                <a:cs typeface="Sanskrit Text" panose="02020503050405020304" pitchFamily="18" charset="0"/>
-              </a:rPr>
-              <a:t>Increase profits</a:t>
-            </a:r>
-          </a:p>
-          <a:p>
-            <a:pPr lvl="1"/>
-            <a:r>
-              <a:rPr lang="en-US" dirty="0">
-                <a:latin typeface="Sanskrit Text" panose="02020503050405020304" pitchFamily="18" charset="0"/>
-                <a:cs typeface="Sanskrit Text" panose="02020503050405020304" pitchFamily="18" charset="0"/>
-              </a:rPr>
-              <a:t>Decrease risks</a:t>
-            </a:r>
-          </a:p>
-          <a:p>
-            <a:pPr lvl="1"/>
-            <a:endParaRPr lang="en-US" dirty="0">
-              <a:latin typeface="Sanskrit Text" panose="02020503050405020304" pitchFamily="18" charset="0"/>
-              <a:cs typeface="Sanskrit Text" panose="02020503050405020304" pitchFamily="18" charset="0"/>
-            </a:endParaRPr>
-          </a:p>
-          <a:p>
-            <a:pPr lvl="1"/>
-            <a:endParaRPr lang="en-US" dirty="0">
-              <a:latin typeface="Sanskrit Text" panose="02020503050405020304" pitchFamily="18" charset="0"/>
-              <a:cs typeface="Sanskrit Text" panose="02020503050405020304" pitchFamily="18" charset="0"/>
-            </a:endParaRPr>
+              <a:t>)</a:t>
+            </a:r>
           </a:p>
         </p:txBody>
       </p:sp>
+      <p:pic>
+        <p:nvPicPr>
+          <p:cNvPr id="4" name="Picture 3" descr="Chart&#10;&#10;Description automatically generated">
+            <a:extLst>
+              <a:ext uri="{FF2B5EF4-FFF2-40B4-BE49-F238E27FC236}">
+                <a16:creationId xmlns:a16="http://schemas.microsoft.com/office/drawing/2014/main" id="{0D14A61A-2EBD-B748-ABE0-A8C78C4FB676}"/>
+              </a:ext>
+            </a:extLst>
+          </p:cNvPr>
+          <p:cNvPicPr>
+            <a:picLocks noChangeAspect="1"/>
+          </p:cNvPicPr>
+          <p:nvPr/>
+        </p:nvPicPr>
+        <p:blipFill>
+          <a:blip r:embed="rId3"/>
+          <a:stretch>
+            <a:fillRect/>
+          </a:stretch>
+        </p:blipFill>
+        <p:spPr>
+          <a:xfrm>
+            <a:off x="6332284" y="2876350"/>
+            <a:ext cx="5188434" cy="3524451"/>
+          </a:xfrm>
+          <a:prstGeom prst="rect">
+            <a:avLst/>
+          </a:prstGeom>
+        </p:spPr>
+      </p:pic>
     </p:spTree>
     <p:extLst>
       <p:ext uri="{BB962C8B-B14F-4D97-AF65-F5344CB8AC3E}">
-        <p14:creationId xmlns:p14="http://schemas.microsoft.com/office/powerpoint/2010/main" val="2802666808"/>
+        <p14:creationId xmlns:p14="http://schemas.microsoft.com/office/powerpoint/2010/main" val="1322365031"/>
       </p:ext>
     </p:extLst>
   </p:cSld>
